--- a/Presentation for 10-20-14 Coding Overview.pptx
+++ b/Presentation for 10-20-14 Coding Overview.pptx
@@ -292,7 +292,7 @@
           <a:p>
             <a:fld id="{07DFED8B-2332-144D-AF30-82C1076A9CD0}" type="datetimeFigureOut">
               <a:rPr lang="en-US" smtClean="0"/>
-              <a:t>10/19/2014</a:t>
+              <a:t>10/20/14</a:t>
             </a:fld>
             <a:endParaRPr lang="en-US" dirty="0"/>
           </a:p>
@@ -462,7 +462,7 @@
           <a:p>
             <a:fld id="{07DFED8B-2332-144D-AF30-82C1076A9CD0}" type="datetimeFigureOut">
               <a:rPr lang="en-US" smtClean="0"/>
-              <a:t>10/19/2014</a:t>
+              <a:t>10/20/14</a:t>
             </a:fld>
             <a:endParaRPr lang="en-US" dirty="0"/>
           </a:p>
@@ -642,7 +642,7 @@
           <a:p>
             <a:fld id="{07DFED8B-2332-144D-AF30-82C1076A9CD0}" type="datetimeFigureOut">
               <a:rPr lang="en-US" smtClean="0"/>
-              <a:t>10/19/2014</a:t>
+              <a:t>10/20/14</a:t>
             </a:fld>
             <a:endParaRPr lang="en-US" dirty="0"/>
           </a:p>
@@ -812,7 +812,7 @@
           <a:p>
             <a:fld id="{07DFED8B-2332-144D-AF30-82C1076A9CD0}" type="datetimeFigureOut">
               <a:rPr lang="en-US" smtClean="0"/>
-              <a:t>10/19/2014</a:t>
+              <a:t>10/20/14</a:t>
             </a:fld>
             <a:endParaRPr lang="en-US" dirty="0"/>
           </a:p>
@@ -1058,7 +1058,7 @@
           <a:p>
             <a:fld id="{07DFED8B-2332-144D-AF30-82C1076A9CD0}" type="datetimeFigureOut">
               <a:rPr lang="en-US" smtClean="0"/>
-              <a:t>10/19/2014</a:t>
+              <a:t>10/20/14</a:t>
             </a:fld>
             <a:endParaRPr lang="en-US" dirty="0"/>
           </a:p>
@@ -1346,7 +1346,7 @@
           <a:p>
             <a:fld id="{07DFED8B-2332-144D-AF30-82C1076A9CD0}" type="datetimeFigureOut">
               <a:rPr lang="en-US" smtClean="0"/>
-              <a:t>10/19/2014</a:t>
+              <a:t>10/20/14</a:t>
             </a:fld>
             <a:endParaRPr lang="en-US" dirty="0"/>
           </a:p>
@@ -1768,7 +1768,7 @@
           <a:p>
             <a:fld id="{07DFED8B-2332-144D-AF30-82C1076A9CD0}" type="datetimeFigureOut">
               <a:rPr lang="en-US" smtClean="0"/>
-              <a:t>10/19/2014</a:t>
+              <a:t>10/20/14</a:t>
             </a:fld>
             <a:endParaRPr lang="en-US" dirty="0"/>
           </a:p>
@@ -1886,7 +1886,7 @@
           <a:p>
             <a:fld id="{07DFED8B-2332-144D-AF30-82C1076A9CD0}" type="datetimeFigureOut">
               <a:rPr lang="en-US" smtClean="0"/>
-              <a:t>10/19/2014</a:t>
+              <a:t>10/20/14</a:t>
             </a:fld>
             <a:endParaRPr lang="en-US" dirty="0"/>
           </a:p>
@@ -1981,7 +1981,7 @@
           <a:p>
             <a:fld id="{07DFED8B-2332-144D-AF30-82C1076A9CD0}" type="datetimeFigureOut">
               <a:rPr lang="en-US" smtClean="0"/>
-              <a:t>10/19/2014</a:t>
+              <a:t>10/20/14</a:t>
             </a:fld>
             <a:endParaRPr lang="en-US" dirty="0"/>
           </a:p>
@@ -2258,7 +2258,7 @@
           <a:p>
             <a:fld id="{07DFED8B-2332-144D-AF30-82C1076A9CD0}" type="datetimeFigureOut">
               <a:rPr lang="en-US" smtClean="0"/>
-              <a:t>10/19/2014</a:t>
+              <a:t>10/20/14</a:t>
             </a:fld>
             <a:endParaRPr lang="en-US" dirty="0"/>
           </a:p>
@@ -2515,7 +2515,7 @@
           <a:p>
             <a:fld id="{07DFED8B-2332-144D-AF30-82C1076A9CD0}" type="datetimeFigureOut">
               <a:rPr lang="en-US" smtClean="0"/>
-              <a:t>10/19/2014</a:t>
+              <a:t>10/20/14</a:t>
             </a:fld>
             <a:endParaRPr lang="en-US" dirty="0"/>
           </a:p>
@@ -2728,7 +2728,7 @@
           <a:p>
             <a:fld id="{07DFED8B-2332-144D-AF30-82C1076A9CD0}" type="datetimeFigureOut">
               <a:rPr lang="en-US" smtClean="0"/>
-              <a:t>10/19/2014</a:t>
+              <a:t>10/20/14</a:t>
             </a:fld>
             <a:endParaRPr lang="en-US" dirty="0"/>
           </a:p>
@@ -3296,7 +3296,7 @@
   <p:timing>
     <p:tnLst>
       <p:par>
-        <p:cTn id="1" dur="indefinite" restart="never" nodeType="tmRoot"/>
+        <p:cTn xmlns:p14="http://schemas.microsoft.com/office/powerpoint/2010/main" id="1" dur="indefinite" restart="never" nodeType="tmRoot"/>
       </p:par>
     </p:tnLst>
   </p:timing>
@@ -3386,7 +3386,7 @@
         </p:nvSpPr>
         <p:spPr>
           <a:xfrm>
-            <a:off x="167779" y="209725"/>
+            <a:off x="167779" y="531104"/>
             <a:ext cx="8649049" cy="6001643"/>
           </a:xfrm>
           <a:prstGeom prst="rect">
@@ -3400,27 +3400,25 @@
           </a:bodyPr>
           <a:lstStyle/>
           <a:p>
+            <a:pPr marL="457200" indent="-457200">
+              <a:buFont typeface="Arial" panose="020B0604020202020204" pitchFamily="34" charset="0"/>
+              <a:buChar char="•"/>
+            </a:pPr>
             <a:r>
               <a:rPr lang="en-US" sz="3200" dirty="0" smtClean="0">
                 <a:solidFill>
                   <a:schemeClr val="bg1"/>
                 </a:solidFill>
               </a:rPr>
-              <a:t>Individual Swerve Module Control</a:t>
-            </a:r>
-          </a:p>
-          <a:p>
-            <a:pPr marL="457200" indent="-457200">
-              <a:buFont typeface="Arial" panose="020B0604020202020204" pitchFamily="34" charset="0"/>
-              <a:buChar char="•"/>
-            </a:pPr>
+              <a:t>4 </a:t>
+            </a:r>
             <a:r>
               <a:rPr lang="en-US" sz="3200" dirty="0" smtClean="0">
                 <a:solidFill>
                   <a:schemeClr val="bg1"/>
                 </a:solidFill>
               </a:rPr>
-              <a:t>4 Modules</a:t>
+              <a:t>Modules</a:t>
             </a:r>
           </a:p>
           <a:p>
@@ -3568,6 +3566,119 @@
               </a:rPr>
               <a:t>times in either direction</a:t>
             </a:r>
+          </a:p>
+        </p:txBody>
+      </p:sp>
+      <p:sp>
+        <p:nvSpPr>
+          <p:cNvPr id="6" name="Rectangle 5"/>
+          <p:cNvSpPr/>
+          <p:nvPr/>
+        </p:nvSpPr>
+        <p:spPr>
+          <a:xfrm>
+            <a:off x="302131" y="57278"/>
+            <a:ext cx="5999960" cy="584776"/>
+          </a:xfrm>
+          <a:prstGeom prst="rect">
+            <a:avLst/>
+          </a:prstGeom>
+          <a:noFill/>
+        </p:spPr>
+        <p:txBody>
+          <a:bodyPr wrap="none" lIns="91440" tIns="45720" rIns="91440" bIns="45720">
+            <a:spAutoFit/>
+            <a:scene3d>
+              <a:camera prst="orthographicFront"/>
+              <a:lightRig rig="flat" dir="tl">
+                <a:rot lat="0" lon="0" rev="6600000"/>
+              </a:lightRig>
+            </a:scene3d>
+            <a:sp3d extrusionH="25400" contourW="8890">
+              <a:bevelT w="38100" h="31750"/>
+              <a:contourClr>
+                <a:schemeClr val="accent2">
+                  <a:shade val="75000"/>
+                </a:schemeClr>
+              </a:contourClr>
+            </a:sp3d>
+          </a:bodyPr>
+          <a:lstStyle/>
+          <a:p>
+            <a:pPr algn="ctr"/>
+            <a:r>
+              <a:rPr lang="en-US" sz="3200" b="1" cap="none" spc="0" dirty="0" smtClean="0">
+                <a:ln w="11430"/>
+                <a:gradFill>
+                  <a:gsLst>
+                    <a:gs pos="0">
+                      <a:schemeClr val="accent2">
+                        <a:tint val="70000"/>
+                        <a:satMod val="245000"/>
+                      </a:schemeClr>
+                    </a:gs>
+                    <a:gs pos="75000">
+                      <a:schemeClr val="accent2">
+                        <a:tint val="90000"/>
+                        <a:shade val="60000"/>
+                        <a:satMod val="240000"/>
+                      </a:schemeClr>
+                    </a:gs>
+                    <a:gs pos="100000">
+                      <a:schemeClr val="accent2">
+                        <a:tint val="100000"/>
+                        <a:shade val="50000"/>
+                        <a:satMod val="240000"/>
+                      </a:schemeClr>
+                    </a:gs>
+                  </a:gsLst>
+                  <a:lin ang="5400000"/>
+                </a:gradFill>
+                <a:effectLst>
+                  <a:outerShdw blurRad="50800" dist="39000" dir="5460000" algn="tl">
+                    <a:srgbClr val="000000">
+                      <a:alpha val="38000"/>
+                    </a:srgbClr>
+                  </a:outerShdw>
+                </a:effectLst>
+              </a:rPr>
+              <a:t>Individual Swerve Module Control</a:t>
+            </a:r>
+            <a:endParaRPr lang="en-US" sz="3200" b="1" cap="none" spc="0" dirty="0">
+              <a:ln w="11430"/>
+              <a:gradFill>
+                <a:gsLst>
+                  <a:gs pos="0">
+                    <a:schemeClr val="accent2">
+                      <a:tint val="70000"/>
+                      <a:satMod val="245000"/>
+                    </a:schemeClr>
+                  </a:gs>
+                  <a:gs pos="75000">
+                    <a:schemeClr val="accent2">
+                      <a:tint val="90000"/>
+                      <a:shade val="60000"/>
+                      <a:satMod val="240000"/>
+                    </a:schemeClr>
+                  </a:gs>
+                  <a:gs pos="100000">
+                    <a:schemeClr val="accent2">
+                      <a:tint val="100000"/>
+                      <a:shade val="50000"/>
+                      <a:satMod val="240000"/>
+                    </a:schemeClr>
+                  </a:gs>
+                </a:gsLst>
+                <a:lin ang="5400000"/>
+              </a:gradFill>
+              <a:effectLst>
+                <a:outerShdw blurRad="50800" dist="39000" dir="5460000" algn="tl">
+                  <a:srgbClr val="000000">
+                    <a:alpha val="38000"/>
+                  </a:srgbClr>
+                </a:outerShdw>
+              </a:effectLst>
+            </a:endParaRPr>
           </a:p>
         </p:txBody>
       </p:sp>
@@ -3581,13 +3692,13 @@
   <p:clrMapOvr>
     <a:masterClrMapping/>
   </p:clrMapOvr>
-  <p:transition spd="slow">
+  <p:transition xmlns:p14="http://schemas.microsoft.com/office/powerpoint/2010/main" spd="slow">
     <p:pull/>
   </p:transition>
   <p:timing>
     <p:tnLst>
       <p:par>
-        <p:cTn id="1" dur="indefinite" restart="never" nodeType="tmRoot">
+        <p:cTn xmlns:p14="http://schemas.microsoft.com/office/powerpoint/2010/main" id="1" dur="indefinite" restart="never" nodeType="tmRoot">
           <p:childTnLst>
             <p:seq concurrent="1" nextAc="seek">
               <p:cTn id="2" dur="indefinite" nodeType="mainSeq">
@@ -3620,7 +3731,7 @@
                                         <p:tgtEl>
                                           <p:spTgt spid="2">
                                             <p:txEl>
-                                              <p:pRg st="1" end="1"/>
+                                              <p:pRg st="0" end="0"/>
                                             </p:txEl>
                                           </p:spTgt>
                                         </p:tgtEl>
@@ -3638,7 +3749,7 @@
                                         <p:tgtEl>
                                           <p:spTgt spid="2">
                                             <p:txEl>
-                                              <p:pRg st="1" end="1"/>
+                                              <p:pRg st="0" end="0"/>
                                             </p:txEl>
                                           </p:spTgt>
                                         </p:tgtEl>
@@ -3681,7 +3792,7 @@
                                         <p:tgtEl>
                                           <p:spTgt spid="2">
                                             <p:txEl>
-                                              <p:pRg st="2" end="2"/>
+                                              <p:pRg st="1" end="1"/>
                                             </p:txEl>
                                           </p:spTgt>
                                         </p:tgtEl>
@@ -3699,7 +3810,7 @@
                                         <p:tgtEl>
                                           <p:spTgt spid="2">
                                             <p:txEl>
-                                              <p:pRg st="2" end="2"/>
+                                              <p:pRg st="1" end="1"/>
                                             </p:txEl>
                                           </p:spTgt>
                                         </p:tgtEl>
@@ -3724,7 +3835,7 @@
                                         <p:tgtEl>
                                           <p:spTgt spid="2">
                                             <p:txEl>
-                                              <p:pRg st="3" end="3"/>
+                                              <p:pRg st="2" end="2"/>
                                             </p:txEl>
                                           </p:spTgt>
                                         </p:tgtEl>
@@ -3742,7 +3853,7 @@
                                         <p:tgtEl>
                                           <p:spTgt spid="2">
                                             <p:txEl>
-                                              <p:pRg st="3" end="3"/>
+                                              <p:pRg st="2" end="2"/>
                                             </p:txEl>
                                           </p:spTgt>
                                         </p:tgtEl>
@@ -3767,7 +3878,7 @@
                                         <p:tgtEl>
                                           <p:spTgt spid="2">
                                             <p:txEl>
-                                              <p:pRg st="4" end="4"/>
+                                              <p:pRg st="3" end="3"/>
                                             </p:txEl>
                                           </p:spTgt>
                                         </p:tgtEl>
@@ -3785,7 +3896,7 @@
                                         <p:tgtEl>
                                           <p:spTgt spid="2">
                                             <p:txEl>
-                                              <p:pRg st="4" end="4"/>
+                                              <p:pRg st="3" end="3"/>
                                             </p:txEl>
                                           </p:spTgt>
                                         </p:tgtEl>
@@ -3828,7 +3939,7 @@
                                         <p:tgtEl>
                                           <p:spTgt spid="2">
                                             <p:txEl>
-                                              <p:pRg st="5" end="5"/>
+                                              <p:pRg st="4" end="4"/>
                                             </p:txEl>
                                           </p:spTgt>
                                         </p:tgtEl>
@@ -3846,7 +3957,7 @@
                                         <p:tgtEl>
                                           <p:spTgt spid="2">
                                             <p:txEl>
-                                              <p:pRg st="5" end="5"/>
+                                              <p:pRg st="4" end="4"/>
                                             </p:txEl>
                                           </p:spTgt>
                                         </p:tgtEl>
@@ -3889,7 +4000,7 @@
                                         <p:tgtEl>
                                           <p:spTgt spid="2">
                                             <p:txEl>
-                                              <p:pRg st="6" end="6"/>
+                                              <p:pRg st="5" end="5"/>
                                             </p:txEl>
                                           </p:spTgt>
                                         </p:tgtEl>
@@ -3907,7 +4018,7 @@
                                         <p:tgtEl>
                                           <p:spTgt spid="2">
                                             <p:txEl>
-                                              <p:pRg st="6" end="6"/>
+                                              <p:pRg st="5" end="5"/>
                                             </p:txEl>
                                           </p:spTgt>
                                         </p:tgtEl>
@@ -3932,7 +4043,7 @@
                                         <p:tgtEl>
                                           <p:spTgt spid="2">
                                             <p:txEl>
-                                              <p:pRg st="7" end="7"/>
+                                              <p:pRg st="6" end="6"/>
                                             </p:txEl>
                                           </p:spTgt>
                                         </p:tgtEl>
@@ -3950,7 +4061,7 @@
                                         <p:tgtEl>
                                           <p:spTgt spid="2">
                                             <p:txEl>
-                                              <p:pRg st="7" end="7"/>
+                                              <p:pRg st="6" end="6"/>
                                             </p:txEl>
                                           </p:spTgt>
                                         </p:tgtEl>
@@ -3975,7 +4086,7 @@
                                         <p:tgtEl>
                                           <p:spTgt spid="2">
                                             <p:txEl>
-                                              <p:pRg st="8" end="8"/>
+                                              <p:pRg st="7" end="7"/>
                                             </p:txEl>
                                           </p:spTgt>
                                         </p:tgtEl>
@@ -3993,7 +4104,7 @@
                                         <p:tgtEl>
                                           <p:spTgt spid="2">
                                             <p:txEl>
-                                              <p:pRg st="8" end="8"/>
+                                              <p:pRg st="7" end="7"/>
                                             </p:txEl>
                                           </p:spTgt>
                                         </p:tgtEl>
@@ -4036,7 +4147,7 @@
                                         <p:tgtEl>
                                           <p:spTgt spid="2">
                                             <p:txEl>
-                                              <p:pRg st="9" end="9"/>
+                                              <p:pRg st="8" end="8"/>
                                             </p:txEl>
                                           </p:spTgt>
                                         </p:tgtEl>
@@ -4054,7 +4165,7 @@
                                         <p:tgtEl>
                                           <p:spTgt spid="2">
                                             <p:txEl>
-                                              <p:pRg st="9" end="9"/>
+                                              <p:pRg st="8" end="8"/>
                                             </p:txEl>
                                           </p:spTgt>
                                         </p:tgtEl>
@@ -4079,7 +4190,7 @@
                                         <p:tgtEl>
                                           <p:spTgt spid="2">
                                             <p:txEl>
-                                              <p:pRg st="10" end="10"/>
+                                              <p:pRg st="9" end="9"/>
                                             </p:txEl>
                                           </p:spTgt>
                                         </p:tgtEl>
@@ -4097,7 +4208,7 @@
                                         <p:tgtEl>
                                           <p:spTgt spid="2">
                                             <p:txEl>
-                                              <p:pRg st="10" end="10"/>
+                                              <p:pRg st="9" end="9"/>
                                             </p:txEl>
                                           </p:spTgt>
                                         </p:tgtEl>
@@ -4223,8 +4334,8 @@
         </p:nvSpPr>
         <p:spPr>
           <a:xfrm>
-            <a:off x="194837" y="130361"/>
-            <a:ext cx="8368593" cy="5078313"/>
+            <a:off x="194837" y="465323"/>
+            <a:ext cx="8368593" cy="4585871"/>
           </a:xfrm>
           <a:prstGeom prst="rect">
             <a:avLst/>
@@ -4237,27 +4348,25 @@
           </a:bodyPr>
           <a:lstStyle/>
           <a:p>
+            <a:pPr marL="571500" indent="-571500">
+              <a:buFont typeface="Arial"/>
+              <a:buChar char="•"/>
+            </a:pPr>
             <a:r>
               <a:rPr lang="en-US" sz="3200" dirty="0" smtClean="0">
                 <a:solidFill>
                   <a:schemeClr val="bg1"/>
                 </a:solidFill>
               </a:rPr>
-              <a:t>Core Driving Math</a:t>
-            </a:r>
-          </a:p>
-          <a:p>
-            <a:pPr marL="571500" indent="-571500">
-              <a:buFont typeface="Arial"/>
-              <a:buChar char="•"/>
-            </a:pPr>
+              <a:t>Calculated </a:t>
+            </a:r>
             <a:r>
               <a:rPr lang="en-US" sz="3200" dirty="0" smtClean="0">
                 <a:solidFill>
                   <a:schemeClr val="bg1"/>
                 </a:solidFill>
               </a:rPr>
-              <a:t>Calculated using vectors (polar </a:t>
+              <a:t>using vectors (polar </a:t>
             </a:r>
             <a:r>
               <a:rPr lang="en-US" sz="3200" dirty="0" err="1" smtClean="0">
@@ -4394,6 +4503,119 @@
               <a:solidFill>
                 <a:schemeClr val="bg1"/>
               </a:solidFill>
+            </a:endParaRPr>
+          </a:p>
+        </p:txBody>
+      </p:sp>
+      <p:sp>
+        <p:nvSpPr>
+          <p:cNvPr id="6" name="Rectangle 5"/>
+          <p:cNvSpPr/>
+          <p:nvPr/>
+        </p:nvSpPr>
+        <p:spPr>
+          <a:xfrm>
+            <a:off x="194837" y="0"/>
+            <a:ext cx="3299301" cy="584776"/>
+          </a:xfrm>
+          <a:prstGeom prst="rect">
+            <a:avLst/>
+          </a:prstGeom>
+          <a:noFill/>
+        </p:spPr>
+        <p:txBody>
+          <a:bodyPr wrap="none" lIns="91440" tIns="45720" rIns="91440" bIns="45720">
+            <a:spAutoFit/>
+            <a:scene3d>
+              <a:camera prst="orthographicFront"/>
+              <a:lightRig rig="flat" dir="tl">
+                <a:rot lat="0" lon="0" rev="6600000"/>
+              </a:lightRig>
+            </a:scene3d>
+            <a:sp3d extrusionH="25400" contourW="8890">
+              <a:bevelT w="38100" h="31750"/>
+              <a:contourClr>
+                <a:schemeClr val="accent2">
+                  <a:shade val="75000"/>
+                </a:schemeClr>
+              </a:contourClr>
+            </a:sp3d>
+          </a:bodyPr>
+          <a:lstStyle/>
+          <a:p>
+            <a:pPr algn="ctr"/>
+            <a:r>
+              <a:rPr lang="en-US" sz="3200" b="1" cap="none" spc="0" dirty="0" smtClean="0">
+                <a:ln w="11430"/>
+                <a:gradFill>
+                  <a:gsLst>
+                    <a:gs pos="0">
+                      <a:schemeClr val="accent2">
+                        <a:tint val="70000"/>
+                        <a:satMod val="245000"/>
+                      </a:schemeClr>
+                    </a:gs>
+                    <a:gs pos="75000">
+                      <a:schemeClr val="accent2">
+                        <a:tint val="90000"/>
+                        <a:shade val="60000"/>
+                        <a:satMod val="240000"/>
+                      </a:schemeClr>
+                    </a:gs>
+                    <a:gs pos="100000">
+                      <a:schemeClr val="accent2">
+                        <a:tint val="100000"/>
+                        <a:shade val="50000"/>
+                        <a:satMod val="240000"/>
+                      </a:schemeClr>
+                    </a:gs>
+                  </a:gsLst>
+                  <a:lin ang="5400000"/>
+                </a:gradFill>
+                <a:effectLst>
+                  <a:outerShdw blurRad="50800" dist="39000" dir="5460000" algn="tl">
+                    <a:srgbClr val="000000">
+                      <a:alpha val="38000"/>
+                    </a:srgbClr>
+                  </a:outerShdw>
+                </a:effectLst>
+              </a:rPr>
+              <a:t>Core Driving Math</a:t>
+            </a:r>
+            <a:endParaRPr lang="en-US" sz="3200" b="1" cap="none" spc="0" dirty="0">
+              <a:ln w="11430"/>
+              <a:gradFill>
+                <a:gsLst>
+                  <a:gs pos="0">
+                    <a:schemeClr val="accent2">
+                      <a:tint val="70000"/>
+                      <a:satMod val="245000"/>
+                    </a:schemeClr>
+                  </a:gs>
+                  <a:gs pos="75000">
+                    <a:schemeClr val="accent2">
+                      <a:tint val="90000"/>
+                      <a:shade val="60000"/>
+                      <a:satMod val="240000"/>
+                    </a:schemeClr>
+                  </a:gs>
+                  <a:gs pos="100000">
+                    <a:schemeClr val="accent2">
+                      <a:tint val="100000"/>
+                      <a:shade val="50000"/>
+                      <a:satMod val="240000"/>
+                    </a:schemeClr>
+                  </a:gs>
+                </a:gsLst>
+                <a:lin ang="5400000"/>
+              </a:gradFill>
+              <a:effectLst>
+                <a:outerShdw blurRad="50800" dist="39000" dir="5460000" algn="tl">
+                  <a:srgbClr val="000000">
+                    <a:alpha val="38000"/>
+                  </a:srgbClr>
+                </a:outerShdw>
+              </a:effectLst>
             </a:endParaRPr>
           </a:p>
         </p:txBody>
@@ -4423,7 +4645,7 @@
   <p:timing>
     <p:tnLst>
       <p:par>
-        <p:cTn id="1" dur="indefinite" restart="never" nodeType="tmRoot">
+        <p:cTn xmlns:p14="http://schemas.microsoft.com/office/powerpoint/2010/main" id="1" dur="indefinite" restart="never" nodeType="tmRoot">
           <p:childTnLst>
             <p:seq concurrent="1" nextAc="seek">
               <p:cTn id="2" dur="indefinite" nodeType="mainSeq">
@@ -4456,7 +4678,7 @@
                                         <p:tgtEl>
                                           <p:spTgt spid="2">
                                             <p:txEl>
-                                              <p:pRg st="1" end="1"/>
+                                              <p:pRg st="0" end="0"/>
                                             </p:txEl>
                                           </p:spTgt>
                                         </p:tgtEl>
@@ -4474,7 +4696,7 @@
                                         <p:tgtEl>
                                           <p:spTgt spid="2">
                                             <p:txEl>
-                                              <p:pRg st="1" end="1"/>
+                                              <p:pRg st="0" end="0"/>
                                             </p:txEl>
                                           </p:spTgt>
                                         </p:tgtEl>
@@ -4499,7 +4721,7 @@
                                         <p:tgtEl>
                                           <p:spTgt spid="2">
                                             <p:txEl>
-                                              <p:pRg st="2" end="2"/>
+                                              <p:pRg st="1" end="1"/>
                                             </p:txEl>
                                           </p:spTgt>
                                         </p:tgtEl>
@@ -4517,7 +4739,7 @@
                                         <p:tgtEl>
                                           <p:spTgt spid="2">
                                             <p:txEl>
-                                              <p:pRg st="2" end="2"/>
+                                              <p:pRg st="1" end="1"/>
                                             </p:txEl>
                                           </p:spTgt>
                                         </p:tgtEl>
@@ -4542,7 +4764,7 @@
                                         <p:tgtEl>
                                           <p:spTgt spid="2">
                                             <p:txEl>
-                                              <p:pRg st="3" end="3"/>
+                                              <p:pRg st="2" end="2"/>
                                             </p:txEl>
                                           </p:spTgt>
                                         </p:tgtEl>
@@ -4560,7 +4782,7 @@
                                         <p:tgtEl>
                                           <p:spTgt spid="2">
                                             <p:txEl>
-                                              <p:pRg st="3" end="3"/>
+                                              <p:pRg st="2" end="2"/>
                                             </p:txEl>
                                           </p:spTgt>
                                         </p:tgtEl>
@@ -4603,7 +4825,7 @@
                                         <p:tgtEl>
                                           <p:spTgt spid="2">
                                             <p:txEl>
-                                              <p:pRg st="4" end="4"/>
+                                              <p:pRg st="3" end="3"/>
                                             </p:txEl>
                                           </p:spTgt>
                                         </p:tgtEl>
@@ -4621,7 +4843,7 @@
                                         <p:tgtEl>
                                           <p:spTgt spid="2">
                                             <p:txEl>
-                                              <p:pRg st="4" end="4"/>
+                                              <p:pRg st="3" end="3"/>
                                             </p:txEl>
                                           </p:spTgt>
                                         </p:tgtEl>
@@ -4664,7 +4886,7 @@
                                         <p:tgtEl>
                                           <p:spTgt spid="2">
                                             <p:txEl>
-                                              <p:pRg st="5" end="5"/>
+                                              <p:pRg st="4" end="4"/>
                                             </p:txEl>
                                           </p:spTgt>
                                         </p:tgtEl>
@@ -4682,7 +4904,7 @@
                                         <p:tgtEl>
                                           <p:spTgt spid="2">
                                             <p:txEl>
-                                              <p:pRg st="5" end="5"/>
+                                              <p:pRg st="4" end="4"/>
                                             </p:txEl>
                                           </p:spTgt>
                                         </p:tgtEl>
@@ -4725,7 +4947,7 @@
                                         <p:tgtEl>
                                           <p:spTgt spid="2">
                                             <p:txEl>
-                                              <p:pRg st="6" end="6"/>
+                                              <p:pRg st="5" end="5"/>
                                             </p:txEl>
                                           </p:spTgt>
                                         </p:tgtEl>
@@ -4743,7 +4965,7 @@
                                         <p:tgtEl>
                                           <p:spTgt spid="2">
                                             <p:txEl>
-                                              <p:pRg st="6" end="6"/>
+                                              <p:pRg st="5" end="5"/>
                                             </p:txEl>
                                           </p:spTgt>
                                         </p:tgtEl>
@@ -4786,7 +5008,7 @@
                                         <p:tgtEl>
                                           <p:spTgt spid="2">
                                             <p:txEl>
-                                              <p:pRg st="7" end="7"/>
+                                              <p:pRg st="6" end="6"/>
                                             </p:txEl>
                                           </p:spTgt>
                                         </p:tgtEl>
@@ -4804,7 +5026,7 @@
                                         <p:tgtEl>
                                           <p:spTgt spid="2">
                                             <p:txEl>
-                                              <p:pRg st="7" end="7"/>
+                                              <p:pRg st="6" end="6"/>
                                             </p:txEl>
                                           </p:spTgt>
                                         </p:tgtEl>
@@ -4930,8 +5152,8 @@
         </p:nvSpPr>
         <p:spPr>
           <a:xfrm>
-            <a:off x="75501" y="159391"/>
-            <a:ext cx="8867163" cy="6001643"/>
+            <a:off x="75501" y="530400"/>
+            <a:ext cx="8867163" cy="5509200"/>
           </a:xfrm>
           <a:prstGeom prst="rect">
             <a:avLst/>
@@ -4944,27 +5166,25 @@
           </a:bodyPr>
           <a:lstStyle/>
           <a:p>
+            <a:pPr marL="457200" indent="-457200">
+              <a:buFont typeface="Arial" panose="020B0604020202020204" pitchFamily="34" charset="0"/>
+              <a:buChar char="•"/>
+            </a:pPr>
             <a:r>
               <a:rPr lang="en-US" sz="3200" dirty="0" smtClean="0">
                 <a:solidFill>
                   <a:schemeClr val="bg1"/>
                 </a:solidFill>
               </a:rPr>
-              <a:t>Field Centric Control</a:t>
-            </a:r>
-          </a:p>
-          <a:p>
-            <a:pPr marL="457200" indent="-457200">
-              <a:buFont typeface="Arial" panose="020B0604020202020204" pitchFamily="34" charset="0"/>
-              <a:buChar char="•"/>
-            </a:pPr>
+              <a:t>So </a:t>
+            </a:r>
             <a:r>
               <a:rPr lang="en-US" sz="3200" dirty="0" smtClean="0">
                 <a:solidFill>
                   <a:schemeClr val="bg1"/>
                 </a:solidFill>
               </a:rPr>
-              <a:t>So far, two options in mind:</a:t>
+              <a:t>far, two options in mind:</a:t>
             </a:r>
           </a:p>
           <a:p>
@@ -5089,6 +5309,119 @@
               <a:solidFill>
                 <a:schemeClr val="bg1"/>
               </a:solidFill>
+            </a:endParaRPr>
+          </a:p>
+        </p:txBody>
+      </p:sp>
+      <p:sp>
+        <p:nvSpPr>
+          <p:cNvPr id="6" name="Rectangle 5"/>
+          <p:cNvSpPr/>
+          <p:nvPr/>
+        </p:nvSpPr>
+        <p:spPr>
+          <a:xfrm>
+            <a:off x="174717" y="57278"/>
+            <a:ext cx="3659175" cy="584776"/>
+          </a:xfrm>
+          <a:prstGeom prst="rect">
+            <a:avLst/>
+          </a:prstGeom>
+          <a:noFill/>
+        </p:spPr>
+        <p:txBody>
+          <a:bodyPr wrap="none" lIns="91440" tIns="45720" rIns="91440" bIns="45720">
+            <a:spAutoFit/>
+            <a:scene3d>
+              <a:camera prst="orthographicFront"/>
+              <a:lightRig rig="flat" dir="tl">
+                <a:rot lat="0" lon="0" rev="6600000"/>
+              </a:lightRig>
+            </a:scene3d>
+            <a:sp3d extrusionH="25400" contourW="8890">
+              <a:bevelT w="38100" h="31750"/>
+              <a:contourClr>
+                <a:schemeClr val="accent2">
+                  <a:shade val="75000"/>
+                </a:schemeClr>
+              </a:contourClr>
+            </a:sp3d>
+          </a:bodyPr>
+          <a:lstStyle/>
+          <a:p>
+            <a:pPr algn="ctr"/>
+            <a:r>
+              <a:rPr lang="en-US" sz="3200" b="1" cap="none" spc="0" dirty="0" smtClean="0">
+                <a:ln w="11430"/>
+                <a:gradFill>
+                  <a:gsLst>
+                    <a:gs pos="0">
+                      <a:schemeClr val="accent2">
+                        <a:tint val="70000"/>
+                        <a:satMod val="245000"/>
+                      </a:schemeClr>
+                    </a:gs>
+                    <a:gs pos="75000">
+                      <a:schemeClr val="accent2">
+                        <a:tint val="90000"/>
+                        <a:shade val="60000"/>
+                        <a:satMod val="240000"/>
+                      </a:schemeClr>
+                    </a:gs>
+                    <a:gs pos="100000">
+                      <a:schemeClr val="accent2">
+                        <a:tint val="100000"/>
+                        <a:shade val="50000"/>
+                        <a:satMod val="240000"/>
+                      </a:schemeClr>
+                    </a:gs>
+                  </a:gsLst>
+                  <a:lin ang="5400000"/>
+                </a:gradFill>
+                <a:effectLst>
+                  <a:outerShdw blurRad="50800" dist="39000" dir="5460000" algn="tl">
+                    <a:srgbClr val="000000">
+                      <a:alpha val="38000"/>
+                    </a:srgbClr>
+                  </a:outerShdw>
+                </a:effectLst>
+              </a:rPr>
+              <a:t>Field Centric Control</a:t>
+            </a:r>
+            <a:endParaRPr lang="en-US" sz="3200" b="1" cap="none" spc="0" dirty="0">
+              <a:ln w="11430"/>
+              <a:gradFill>
+                <a:gsLst>
+                  <a:gs pos="0">
+                    <a:schemeClr val="accent2">
+                      <a:tint val="70000"/>
+                      <a:satMod val="245000"/>
+                    </a:schemeClr>
+                  </a:gs>
+                  <a:gs pos="75000">
+                    <a:schemeClr val="accent2">
+                      <a:tint val="90000"/>
+                      <a:shade val="60000"/>
+                      <a:satMod val="240000"/>
+                    </a:schemeClr>
+                  </a:gs>
+                  <a:gs pos="100000">
+                    <a:schemeClr val="accent2">
+                      <a:tint val="100000"/>
+                      <a:shade val="50000"/>
+                      <a:satMod val="240000"/>
+                    </a:schemeClr>
+                  </a:gs>
+                </a:gsLst>
+                <a:lin ang="5400000"/>
+              </a:gradFill>
+              <a:effectLst>
+                <a:outerShdw blurRad="50800" dist="39000" dir="5460000" algn="tl">
+                  <a:srgbClr val="000000">
+                    <a:alpha val="38000"/>
+                  </a:srgbClr>
+                </a:outerShdw>
+              </a:effectLst>
             </a:endParaRPr>
           </a:p>
         </p:txBody>
@@ -5118,7 +5451,7 @@
   <p:timing>
     <p:tnLst>
       <p:par>
-        <p:cTn id="1" dur="indefinite" restart="never" nodeType="tmRoot">
+        <p:cTn xmlns:p14="http://schemas.microsoft.com/office/powerpoint/2010/main" id="1" dur="indefinite" restart="never" nodeType="tmRoot">
           <p:childTnLst>
             <p:seq concurrent="1" nextAc="seek">
               <p:cTn id="2" dur="indefinite" nodeType="mainSeq">
@@ -5151,7 +5484,7 @@
                                         <p:tgtEl>
                                           <p:spTgt spid="2">
                                             <p:txEl>
-                                              <p:pRg st="1" end="1"/>
+                                              <p:pRg st="0" end="0"/>
                                             </p:txEl>
                                           </p:spTgt>
                                         </p:tgtEl>
@@ -5169,7 +5502,7 @@
                                         <p:tgtEl>
                                           <p:spTgt spid="2">
                                             <p:txEl>
-                                              <p:pRg st="1" end="1"/>
+                                              <p:pRg st="0" end="0"/>
                                             </p:txEl>
                                           </p:spTgt>
                                         </p:tgtEl>
@@ -5194,7 +5527,7 @@
                                         <p:tgtEl>
                                           <p:spTgt spid="2">
                                             <p:txEl>
-                                              <p:pRg st="2" end="2"/>
+                                              <p:pRg st="1" end="1"/>
                                             </p:txEl>
                                           </p:spTgt>
                                         </p:tgtEl>
@@ -5212,7 +5545,7 @@
                                         <p:tgtEl>
                                           <p:spTgt spid="2">
                                             <p:txEl>
-                                              <p:pRg st="2" end="2"/>
+                                              <p:pRg st="1" end="1"/>
                                             </p:txEl>
                                           </p:spTgt>
                                         </p:tgtEl>
@@ -5237,7 +5570,7 @@
                                         <p:tgtEl>
                                           <p:spTgt spid="2">
                                             <p:txEl>
-                                              <p:pRg st="3" end="3"/>
+                                              <p:pRg st="2" end="2"/>
                                             </p:txEl>
                                           </p:spTgt>
                                         </p:tgtEl>
@@ -5255,7 +5588,7 @@
                                         <p:tgtEl>
                                           <p:spTgt spid="2">
                                             <p:txEl>
-                                              <p:pRg st="3" end="3"/>
+                                              <p:pRg st="2" end="2"/>
                                             </p:txEl>
                                           </p:spTgt>
                                         </p:tgtEl>
@@ -5298,7 +5631,7 @@
                                         <p:tgtEl>
                                           <p:spTgt spid="2">
                                             <p:txEl>
-                                              <p:pRg st="4" end="4"/>
+                                              <p:pRg st="3" end="3"/>
                                             </p:txEl>
                                           </p:spTgt>
                                         </p:tgtEl>
@@ -5316,7 +5649,7 @@
                                         <p:tgtEl>
                                           <p:spTgt spid="2">
                                             <p:txEl>
-                                              <p:pRg st="4" end="4"/>
+                                              <p:pRg st="3" end="3"/>
                                             </p:txEl>
                                           </p:spTgt>
                                         </p:tgtEl>
@@ -5341,7 +5674,7 @@
                                         <p:tgtEl>
                                           <p:spTgt spid="2">
                                             <p:txEl>
-                                              <p:pRg st="5" end="5"/>
+                                              <p:pRg st="4" end="4"/>
                                             </p:txEl>
                                           </p:spTgt>
                                         </p:tgtEl>
@@ -5359,7 +5692,7 @@
                                         <p:tgtEl>
                                           <p:spTgt spid="2">
                                             <p:txEl>
-                                              <p:pRg st="5" end="5"/>
+                                              <p:pRg st="4" end="4"/>
                                             </p:txEl>
                                           </p:spTgt>
                                         </p:tgtEl>
@@ -5402,7 +5735,7 @@
                                         <p:tgtEl>
                                           <p:spTgt spid="2">
                                             <p:txEl>
-                                              <p:pRg st="6" end="6"/>
+                                              <p:pRg st="5" end="5"/>
                                             </p:txEl>
                                           </p:spTgt>
                                         </p:tgtEl>
@@ -5420,7 +5753,7 @@
                                         <p:tgtEl>
                                           <p:spTgt spid="2">
                                             <p:txEl>
-                                              <p:pRg st="6" end="6"/>
+                                              <p:pRg st="5" end="5"/>
                                             </p:txEl>
                                           </p:spTgt>
                                         </p:tgtEl>
@@ -5463,7 +5796,7 @@
                                         <p:tgtEl>
                                           <p:spTgt spid="2">
                                             <p:txEl>
-                                              <p:pRg st="7" end="7"/>
+                                              <p:pRg st="6" end="6"/>
                                             </p:txEl>
                                           </p:spTgt>
                                         </p:tgtEl>
@@ -5481,7 +5814,7 @@
                                         <p:tgtEl>
                                           <p:spTgt spid="2">
                                             <p:txEl>
-                                              <p:pRg st="7" end="7"/>
+                                              <p:pRg st="6" end="6"/>
                                             </p:txEl>
                                           </p:spTgt>
                                         </p:tgtEl>
@@ -5506,7 +5839,7 @@
                                         <p:tgtEl>
                                           <p:spTgt spid="2">
                                             <p:txEl>
-                                              <p:pRg st="8" end="8"/>
+                                              <p:pRg st="7" end="7"/>
                                             </p:txEl>
                                           </p:spTgt>
                                         </p:tgtEl>
@@ -5524,7 +5857,7 @@
                                         <p:tgtEl>
                                           <p:spTgt spid="2">
                                             <p:txEl>
-                                              <p:pRg st="8" end="8"/>
+                                              <p:pRg st="7" end="7"/>
                                             </p:txEl>
                                           </p:spTgt>
                                         </p:tgtEl>
@@ -5605,8 +5938,8 @@
         </p:blipFill>
         <p:spPr>
           <a:xfrm>
-            <a:off x="0" y="117446"/>
-            <a:ext cx="9144000" cy="6858000"/>
+            <a:off x="0" y="0"/>
+            <a:ext cx="9144000" cy="6975446"/>
           </a:xfrm>
           <a:prstGeom prst="rect">
             <a:avLst/>
@@ -5634,8 +5967,8 @@
         </p:blipFill>
         <p:spPr>
           <a:xfrm>
-            <a:off x="3614537" y="4475526"/>
-            <a:ext cx="5378460" cy="2382474"/>
+            <a:off x="3278321" y="4326594"/>
+            <a:ext cx="5714676" cy="2531406"/>
           </a:xfrm>
           <a:prstGeom prst="rect">
             <a:avLst/>
@@ -5676,8 +6009,8 @@
         </p:nvSpPr>
         <p:spPr>
           <a:xfrm>
-            <a:off x="142613" y="314236"/>
-            <a:ext cx="8682606" cy="5016758"/>
+            <a:off x="142613" y="530775"/>
+            <a:ext cx="8682606" cy="4524315"/>
           </a:xfrm>
           <a:prstGeom prst="rect">
             <a:avLst/>
@@ -5690,27 +6023,25 @@
           </a:bodyPr>
           <a:lstStyle/>
           <a:p>
+            <a:pPr marL="457200" indent="-457200">
+              <a:buFont typeface="Arial" panose="020B0604020202020204" pitchFamily="34" charset="0"/>
+              <a:buChar char="•"/>
+            </a:pPr>
             <a:r>
               <a:rPr lang="en-US" sz="3200" dirty="0" smtClean="0">
                 <a:solidFill>
                   <a:schemeClr val="bg1"/>
                 </a:solidFill>
               </a:rPr>
-              <a:t>Watchdog Program (still being discussed)</a:t>
-            </a:r>
-          </a:p>
-          <a:p>
-            <a:pPr marL="457200" indent="-457200">
-              <a:buFont typeface="Arial" panose="020B0604020202020204" pitchFamily="34" charset="0"/>
-              <a:buChar char="•"/>
-            </a:pPr>
+              <a:t>Current </a:t>
+            </a:r>
             <a:r>
               <a:rPr lang="en-US" sz="3200" dirty="0" smtClean="0">
                 <a:solidFill>
                   <a:schemeClr val="bg1"/>
                 </a:solidFill>
               </a:rPr>
-              <a:t>Current on motors will be monitored by a coprocessor</a:t>
+              <a:t>on motors will be monitored by a coprocessor</a:t>
             </a:r>
           </a:p>
           <a:p>
@@ -5750,6 +6081,119 @@
               <a:solidFill>
                 <a:schemeClr val="bg1"/>
               </a:solidFill>
+            </a:endParaRPr>
+          </a:p>
+        </p:txBody>
+      </p:sp>
+      <p:sp>
+        <p:nvSpPr>
+          <p:cNvPr id="6" name="Rectangle 5"/>
+          <p:cNvSpPr/>
+          <p:nvPr/>
+        </p:nvSpPr>
+        <p:spPr>
+          <a:xfrm>
+            <a:off x="142613" y="43321"/>
+            <a:ext cx="7196000" cy="584776"/>
+          </a:xfrm>
+          <a:prstGeom prst="rect">
+            <a:avLst/>
+          </a:prstGeom>
+          <a:noFill/>
+        </p:spPr>
+        <p:txBody>
+          <a:bodyPr wrap="none" lIns="91440" tIns="45720" rIns="91440" bIns="45720">
+            <a:spAutoFit/>
+            <a:scene3d>
+              <a:camera prst="orthographicFront"/>
+              <a:lightRig rig="flat" dir="tl">
+                <a:rot lat="0" lon="0" rev="6600000"/>
+              </a:lightRig>
+            </a:scene3d>
+            <a:sp3d extrusionH="25400" contourW="8890">
+              <a:bevelT w="38100" h="31750"/>
+              <a:contourClr>
+                <a:schemeClr val="accent2">
+                  <a:shade val="75000"/>
+                </a:schemeClr>
+              </a:contourClr>
+            </a:sp3d>
+          </a:bodyPr>
+          <a:lstStyle/>
+          <a:p>
+            <a:pPr algn="ctr"/>
+            <a:r>
+              <a:rPr lang="en-US" sz="3200" b="1" cap="none" spc="0" dirty="0" smtClean="0">
+                <a:ln w="11430"/>
+                <a:gradFill>
+                  <a:gsLst>
+                    <a:gs pos="0">
+                      <a:schemeClr val="accent2">
+                        <a:tint val="70000"/>
+                        <a:satMod val="245000"/>
+                      </a:schemeClr>
+                    </a:gs>
+                    <a:gs pos="75000">
+                      <a:schemeClr val="accent2">
+                        <a:tint val="90000"/>
+                        <a:shade val="60000"/>
+                        <a:satMod val="240000"/>
+                      </a:schemeClr>
+                    </a:gs>
+                    <a:gs pos="100000">
+                      <a:schemeClr val="accent2">
+                        <a:tint val="100000"/>
+                        <a:shade val="50000"/>
+                        <a:satMod val="240000"/>
+                      </a:schemeClr>
+                    </a:gs>
+                  </a:gsLst>
+                  <a:lin ang="5400000"/>
+                </a:gradFill>
+                <a:effectLst>
+                  <a:outerShdw blurRad="50800" dist="39000" dir="5460000" algn="tl">
+                    <a:srgbClr val="000000">
+                      <a:alpha val="38000"/>
+                    </a:srgbClr>
+                  </a:outerShdw>
+                </a:effectLst>
+              </a:rPr>
+              <a:t>Watchdog Program (still being discussed)</a:t>
+            </a:r>
+            <a:endParaRPr lang="en-US" sz="3200" b="1" cap="none" spc="0" dirty="0">
+              <a:ln w="11430"/>
+              <a:gradFill>
+                <a:gsLst>
+                  <a:gs pos="0">
+                    <a:schemeClr val="accent2">
+                      <a:tint val="70000"/>
+                      <a:satMod val="245000"/>
+                    </a:schemeClr>
+                  </a:gs>
+                  <a:gs pos="75000">
+                    <a:schemeClr val="accent2">
+                      <a:tint val="90000"/>
+                      <a:shade val="60000"/>
+                      <a:satMod val="240000"/>
+                    </a:schemeClr>
+                  </a:gs>
+                  <a:gs pos="100000">
+                    <a:schemeClr val="accent2">
+                      <a:tint val="100000"/>
+                      <a:shade val="50000"/>
+                      <a:satMod val="240000"/>
+                    </a:schemeClr>
+                  </a:gs>
+                </a:gsLst>
+                <a:lin ang="5400000"/>
+              </a:gradFill>
+              <a:effectLst>
+                <a:outerShdw blurRad="50800" dist="39000" dir="5460000" algn="tl">
+                  <a:srgbClr val="000000">
+                    <a:alpha val="38000"/>
+                  </a:srgbClr>
+                </a:outerShdw>
+              </a:effectLst>
             </a:endParaRPr>
           </a:p>
         </p:txBody>
@@ -5779,7 +6223,7 @@
   <p:timing>
     <p:tnLst>
       <p:par>
-        <p:cTn id="1" dur="indefinite" restart="never" nodeType="tmRoot">
+        <p:cTn xmlns:p14="http://schemas.microsoft.com/office/powerpoint/2010/main" id="1" dur="indefinite" restart="never" nodeType="tmRoot">
           <p:childTnLst>
             <p:seq concurrent="1" nextAc="seek">
               <p:cTn id="2" dur="indefinite" nodeType="mainSeq">
@@ -5812,7 +6256,7 @@
                                         <p:tgtEl>
                                           <p:spTgt spid="20">
                                             <p:txEl>
-                                              <p:pRg st="1" end="1"/>
+                                              <p:pRg st="0" end="0"/>
                                             </p:txEl>
                                           </p:spTgt>
                                         </p:tgtEl>
@@ -5830,7 +6274,7 @@
                                         <p:tgtEl>
                                           <p:spTgt spid="20">
                                             <p:txEl>
-                                              <p:pRg st="1" end="1"/>
+                                              <p:pRg st="0" end="0"/>
                                             </p:txEl>
                                           </p:spTgt>
                                         </p:tgtEl>
@@ -5873,7 +6317,7 @@
                                         <p:tgtEl>
                                           <p:spTgt spid="20">
                                             <p:txEl>
-                                              <p:pRg st="2" end="2"/>
+                                              <p:pRg st="1" end="1"/>
                                             </p:txEl>
                                           </p:spTgt>
                                         </p:tgtEl>
@@ -5891,7 +6335,7 @@
                                         <p:tgtEl>
                                           <p:spTgt spid="20">
                                             <p:txEl>
-                                              <p:pRg st="2" end="2"/>
+                                              <p:pRg st="1" end="1"/>
                                             </p:txEl>
                                           </p:spTgt>
                                         </p:tgtEl>
@@ -5934,7 +6378,7 @@
                                         <p:tgtEl>
                                           <p:spTgt spid="20">
                                             <p:txEl>
-                                              <p:pRg st="3" end="3"/>
+                                              <p:pRg st="2" end="2"/>
                                             </p:txEl>
                                           </p:spTgt>
                                         </p:tgtEl>
@@ -5952,7 +6396,7 @@
                                         <p:tgtEl>
                                           <p:spTgt spid="20">
                                             <p:txEl>
-                                              <p:pRg st="3" end="3"/>
+                                              <p:pRg st="2" end="2"/>
                                             </p:txEl>
                                           </p:spTgt>
                                         </p:tgtEl>
